--- a/GITDesign.pptx
+++ b/GITDesign.pptx
@@ -4265,7 +4265,7 @@
             </a:pPr>
             <a:r>
               <a:rPr lang="de-DE" sz="4000" dirty="0"/>
-              <a:t>Objektorientierte Programmierte gut für </a:t>
+              <a:t>Objektorientierte Programmierung gut für </a:t>
             </a:r>
             <a:r>
               <a:rPr lang="de-DE" sz="4000" dirty="0" err="1"/>
@@ -6082,15 +6082,7 @@
             </a:r>
             <a:r>
               <a:rPr lang="de-DE" sz="4000" dirty="0"/>
-              <a:t> </a:t>
-            </a:r>
-            <a:r>
-              <a:rPr lang="de-DE" sz="4000" dirty="0" err="1"/>
-              <a:t>implementierung</a:t>
-            </a:r>
-            <a:r>
-              <a:rPr lang="de-DE" sz="4000" dirty="0"/>
-              <a:t> an</a:t>
+              <a:t> Implementierung an</a:t>
             </a:r>
           </a:p>
         </p:txBody>
@@ -15012,13 +15004,8 @@
             </a:pPr>
             <a:r>
               <a:rPr lang="de-DE" sz="4000" dirty="0"/>
-              <a:t>Abzweigung von </a:t>
+              <a:t>Abzweigung von Hauptlinie</a:t>
             </a:r>
-            <a:r>
-              <a:rPr lang="de-DE" sz="4000" dirty="0" err="1"/>
-              <a:t>Hauptinie</a:t>
-            </a:r>
-            <a:endParaRPr lang="de-DE" sz="4000" dirty="0"/>
           </a:p>
           <a:p>
             <a:pPr marL="1028700" lvl="1" indent="-571500">
@@ -15027,15 +15014,7 @@
             </a:pPr>
             <a:r>
               <a:rPr lang="de-DE" sz="4000" dirty="0"/>
-              <a:t>Ermöglicht </a:t>
-            </a:r>
-            <a:r>
-              <a:rPr lang="de-DE" sz="4000" dirty="0" err="1"/>
-              <a:t>arbeit</a:t>
-            </a:r>
-            <a:r>
-              <a:rPr lang="de-DE" sz="4000" dirty="0"/>
-              <a:t>, ohne Hauptlinie zu verändern</a:t>
+              <a:t>Ermöglicht Arbeit, ohne Hauptlinie zu verändern</a:t>
             </a:r>
           </a:p>
           <a:p>
